--- a/Rapport/figures/Graphs.pptx
+++ b/Rapport/figures/Graphs.pptx
@@ -196,7 +196,7 @@
           <a:p>
             <a:fld id="{9F62FCC9-B9D8-4B50-B346-5B1E3FBAB5C6}" type="datetimeFigureOut">
               <a:rPr lang="nb-NO" smtClean="0"/>
-              <a:t>28.09.2015</a:t>
+              <a:t>07.10.2015</a:t>
             </a:fld>
             <a:endParaRPr lang="nb-NO"/>
           </a:p>
@@ -997,7 +997,7 @@
           <a:p>
             <a:fld id="{D6DBF0E3-B1BC-436D-8A74-1284C16C760E}" type="datetimeFigureOut">
               <a:rPr lang="nb-NO" smtClean="0"/>
-              <a:t>28.09.2015</a:t>
+              <a:t>07.10.2015</a:t>
             </a:fld>
             <a:endParaRPr lang="nb-NO"/>
           </a:p>
@@ -1167,7 +1167,7 @@
           <a:p>
             <a:fld id="{D6DBF0E3-B1BC-436D-8A74-1284C16C760E}" type="datetimeFigureOut">
               <a:rPr lang="nb-NO" smtClean="0"/>
-              <a:t>28.09.2015</a:t>
+              <a:t>07.10.2015</a:t>
             </a:fld>
             <a:endParaRPr lang="nb-NO"/>
           </a:p>
@@ -1347,7 +1347,7 @@
           <a:p>
             <a:fld id="{D6DBF0E3-B1BC-436D-8A74-1284C16C760E}" type="datetimeFigureOut">
               <a:rPr lang="nb-NO" smtClean="0"/>
-              <a:t>28.09.2015</a:t>
+              <a:t>07.10.2015</a:t>
             </a:fld>
             <a:endParaRPr lang="nb-NO"/>
           </a:p>
@@ -1517,7 +1517,7 @@
           <a:p>
             <a:fld id="{D6DBF0E3-B1BC-436D-8A74-1284C16C760E}" type="datetimeFigureOut">
               <a:rPr lang="nb-NO" smtClean="0"/>
-              <a:t>28.09.2015</a:t>
+              <a:t>07.10.2015</a:t>
             </a:fld>
             <a:endParaRPr lang="nb-NO"/>
           </a:p>
@@ -1763,7 +1763,7 @@
           <a:p>
             <a:fld id="{D6DBF0E3-B1BC-436D-8A74-1284C16C760E}" type="datetimeFigureOut">
               <a:rPr lang="nb-NO" smtClean="0"/>
-              <a:t>28.09.2015</a:t>
+              <a:t>07.10.2015</a:t>
             </a:fld>
             <a:endParaRPr lang="nb-NO"/>
           </a:p>
@@ -2051,7 +2051,7 @@
           <a:p>
             <a:fld id="{D6DBF0E3-B1BC-436D-8A74-1284C16C760E}" type="datetimeFigureOut">
               <a:rPr lang="nb-NO" smtClean="0"/>
-              <a:t>28.09.2015</a:t>
+              <a:t>07.10.2015</a:t>
             </a:fld>
             <a:endParaRPr lang="nb-NO"/>
           </a:p>
@@ -2473,7 +2473,7 @@
           <a:p>
             <a:fld id="{D6DBF0E3-B1BC-436D-8A74-1284C16C760E}" type="datetimeFigureOut">
               <a:rPr lang="nb-NO" smtClean="0"/>
-              <a:t>28.09.2015</a:t>
+              <a:t>07.10.2015</a:t>
             </a:fld>
             <a:endParaRPr lang="nb-NO"/>
           </a:p>
@@ -2591,7 +2591,7 @@
           <a:p>
             <a:fld id="{D6DBF0E3-B1BC-436D-8A74-1284C16C760E}" type="datetimeFigureOut">
               <a:rPr lang="nb-NO" smtClean="0"/>
-              <a:t>28.09.2015</a:t>
+              <a:t>07.10.2015</a:t>
             </a:fld>
             <a:endParaRPr lang="nb-NO"/>
           </a:p>
@@ -2686,7 +2686,7 @@
           <a:p>
             <a:fld id="{D6DBF0E3-B1BC-436D-8A74-1284C16C760E}" type="datetimeFigureOut">
               <a:rPr lang="nb-NO" smtClean="0"/>
-              <a:t>28.09.2015</a:t>
+              <a:t>07.10.2015</a:t>
             </a:fld>
             <a:endParaRPr lang="nb-NO"/>
           </a:p>
@@ -2963,7 +2963,7 @@
           <a:p>
             <a:fld id="{D6DBF0E3-B1BC-436D-8A74-1284C16C760E}" type="datetimeFigureOut">
               <a:rPr lang="nb-NO" smtClean="0"/>
-              <a:t>28.09.2015</a:t>
+              <a:t>07.10.2015</a:t>
             </a:fld>
             <a:endParaRPr lang="nb-NO"/>
           </a:p>
@@ -3216,7 +3216,7 @@
           <a:p>
             <a:fld id="{D6DBF0E3-B1BC-436D-8A74-1284C16C760E}" type="datetimeFigureOut">
               <a:rPr lang="nb-NO" smtClean="0"/>
-              <a:t>28.09.2015</a:t>
+              <a:t>07.10.2015</a:t>
             </a:fld>
             <a:endParaRPr lang="nb-NO"/>
           </a:p>
@@ -3429,7 +3429,7 @@
           <a:p>
             <a:fld id="{D6DBF0E3-B1BC-436D-8A74-1284C16C760E}" type="datetimeFigureOut">
               <a:rPr lang="nb-NO" smtClean="0"/>
-              <a:t>28.09.2015</a:t>
+              <a:t>07.10.2015</a:t>
             </a:fld>
             <a:endParaRPr lang="nb-NO"/>
           </a:p>
@@ -8212,8 +8212,8 @@
         </p:nvSpPr>
         <p:spPr>
           <a:xfrm>
-            <a:off x="2297085" y="2924944"/>
-            <a:ext cx="332142" cy="461665"/>
+            <a:off x="2059445" y="2924943"/>
+            <a:ext cx="679417" cy="461665"/>
           </a:xfrm>
           <a:prstGeom prst="rect">
             <a:avLst/>
@@ -8228,7 +8228,7 @@
           <a:p>
             <a:r>
               <a:rPr lang="nb-NO" sz="2400" dirty="0" smtClean="0"/>
-              <a:t>a</a:t>
+              <a:t>Star</a:t>
             </a:r>
             <a:endParaRPr lang="nb-NO" sz="2400" dirty="0"/>
           </a:p>
@@ -8242,8 +8242,8 @@
         </p:nvSpPr>
         <p:spPr>
           <a:xfrm>
-            <a:off x="2299764" y="6370534"/>
-            <a:ext cx="314510" cy="461665"/>
+            <a:off x="2059445" y="6370532"/>
+            <a:ext cx="883575" cy="461665"/>
           </a:xfrm>
           <a:prstGeom prst="rect">
             <a:avLst/>
@@ -8257,8 +8257,8 @@
           <a:lstStyle/>
           <a:p>
             <a:r>
-              <a:rPr lang="nb-NO" sz="2400" dirty="0" smtClean="0"/>
-              <a:t>c</a:t>
+              <a:rPr lang="nb-NO" sz="2400" dirty="0" err="1" smtClean="0"/>
+              <a:t>Mesh</a:t>
             </a:r>
             <a:endParaRPr lang="nb-NO" sz="2400" dirty="0"/>
           </a:p>
@@ -8273,7 +8273,7 @@
         <p:spPr>
           <a:xfrm>
             <a:off x="6755130" y="2924943"/>
-            <a:ext cx="346570" cy="461665"/>
+            <a:ext cx="727379" cy="461665"/>
           </a:xfrm>
           <a:prstGeom prst="rect">
             <a:avLst/>
@@ -8287,8 +8287,8 @@
           <a:lstStyle/>
           <a:p>
             <a:r>
-              <a:rPr lang="nb-NO" sz="2400" dirty="0" smtClean="0"/>
-              <a:t>b</a:t>
+              <a:rPr lang="nb-NO" sz="2400" dirty="0" err="1" smtClean="0"/>
+              <a:t>Tree</a:t>
             </a:r>
             <a:endParaRPr lang="nb-NO" sz="2400" dirty="0"/>
           </a:p>
@@ -8303,7 +8303,7 @@
         <p:spPr>
           <a:xfrm>
             <a:off x="6755130" y="6370533"/>
-            <a:ext cx="346570" cy="461665"/>
+            <a:ext cx="875881" cy="461665"/>
           </a:xfrm>
           <a:prstGeom prst="rect">
             <a:avLst/>
@@ -8317,8 +8317,8 @@
           <a:lstStyle/>
           <a:p>
             <a:r>
-              <a:rPr lang="nb-NO" sz="2400" dirty="0" smtClean="0"/>
-              <a:t>d</a:t>
+              <a:rPr lang="nb-NO" sz="2400" dirty="0" err="1" smtClean="0"/>
+              <a:t>Circle</a:t>
             </a:r>
             <a:endParaRPr lang="nb-NO" sz="2400" dirty="0"/>
           </a:p>
